--- a/PPT/PPT2020/DB第03章（3）-2020.pptx
+++ b/PPT/PPT2020/DB第03章（3）-2020.pptx
@@ -342,7 +342,7 @@
             </a:extLst>
           </p:cNvPr>
           <p:cNvSpPr>
-            <a:spLocks noGrp="1" noChangeArrowheads="1"/>
+            <a:spLocks noGrp="1" noRot="1" noChangeAspect="1" noChangeArrowheads="1"/>
           </p:cNvSpPr>
           <p:nvPr>
             <p:ph type="sldImg" idx="4294967295"/>
@@ -3867,11 +3867,11 @@
   <p:clrMapOvr>
     <a:masterClrMapping/>
   </p:clrMapOvr>
-  <mc:AlternateContent xmlns:mc="http://schemas.openxmlformats.org/markup-compatibility/2006">
-    <mc:Choice xmlns:p14="http://schemas.microsoft.com/office/powerpoint/2010/main" Requires="p14">
+  <mc:AlternateContent xmlns:mc="http://schemas.openxmlformats.org/markup-compatibility/2006" xmlns:p14="http://schemas.microsoft.com/office/powerpoint/2010/main">
+    <mc:Choice Requires="p14">
       <p:transition spd="slow" p14:dur="999"/>
     </mc:Choice>
-    <mc:Fallback>
+    <mc:Fallback xmlns="">
       <p:transition spd="slow"/>
     </mc:Fallback>
   </mc:AlternateContent>
@@ -13665,7 +13665,7 @@
                   <a:srgbClr val="FF0000"/>
                 </a:solidFill>
               </a:rPr>
-              <a:t>放在</a:t>
+              <a:t>在</a:t>
             </a:r>
             <a:r>
               <a:rPr lang="en-US" altLang="zh-CN" noProof="1">
@@ -13681,7 +13681,7 @@
                   <a:srgbClr val="FF0000"/>
                 </a:solidFill>
               </a:rPr>
-              <a:t>之前已学习过</a:t>
+              <a:t>之前，已学习过</a:t>
             </a:r>
           </a:p>
         </p:txBody>
@@ -16017,22 +16017,8 @@
                   <a:schemeClr val="accent4"/>
                 </a:solidFill>
               </a:rPr>
-              <a:t>       同学们课下完成本章课后习题，下周上课前把作业发送给学习委员。</a:t>
-            </a:r>
-            <a:endParaRPr lang="en-US" altLang="zh-CN" sz="3200" noProof="1">
-              <a:solidFill>
-                <a:schemeClr val="accent4"/>
-              </a:solidFill>
-            </a:endParaRPr>
-          </a:p>
-          <a:p>
-            <a:pPr marL="0" indent="0" algn="ctr" eaLnBrk="1" hangingPunct="1">
-              <a:lnSpc>
-                <a:spcPct val="120000"/>
-              </a:lnSpc>
-              <a:buFont typeface="Wingdings" panose="05000000000000000000" pitchFamily="2" charset="2"/>
-              <a:buNone/>
-            </a:pPr>
+              <a:t>       </a:t>
+            </a:r>
             <a:endParaRPr lang="en-US" altLang="zh-CN" sz="3200" noProof="1">
               <a:solidFill>
                 <a:schemeClr val="accent4"/>

--- a/PPT/PPT2020/DB第03章（3）-2020.pptx
+++ b/PPT/PPT2020/DB第03章（3）-2020.pptx
@@ -3590,7 +3590,7 @@
         </p:nvSpPr>
         <p:spPr bwMode="auto">
           <a:xfrm>
-            <a:off x="1692275" y="5713413"/>
+            <a:off x="2195736" y="5683690"/>
             <a:ext cx="5256213" cy="668337"/>
           </a:xfrm>
           <a:prstGeom prst="rect">
@@ -3745,22 +3745,22 @@
               <a:buNone/>
             </a:pPr>
             <a:r>
-              <a:rPr lang="zh-CN" altLang="en-US" sz="2400" b="1">
+              <a:rPr lang="zh-CN" altLang="en-US" sz="2400" b="1" dirty="0">
                 <a:solidFill>
                   <a:schemeClr val="bg1"/>
                 </a:solidFill>
-                <a:latin typeface="Times-Roman" charset="0"/>
-                <a:ea typeface="隶书" panose="02010509060101010101" pitchFamily="49" charset="-122"/>
+                <a:latin typeface="微软雅黑 Light" panose="020B0502040204020203" pitchFamily="34" charset="-122"/>
+                <a:ea typeface="微软雅黑 Light" panose="020B0502040204020203" pitchFamily="34" charset="-122"/>
                 <a:sym typeface="Arial" panose="020B0604020202020204" pitchFamily="34" charset="0"/>
               </a:rPr>
-              <a:t>河北大学计算机科学与技术学院</a:t>
-            </a:r>
-            <a:endParaRPr lang="en-US" altLang="zh-CN" sz="2400" b="1">
+              <a:t>河北大学网络空间安全与计算机学院</a:t>
+            </a:r>
+            <a:endParaRPr lang="en-US" altLang="zh-CN" sz="2400" b="1" dirty="0">
               <a:solidFill>
                 <a:schemeClr val="bg1"/>
               </a:solidFill>
-              <a:latin typeface="Times-Roman" charset="0"/>
-              <a:ea typeface="隶书" panose="02010509060101010101" pitchFamily="49" charset="-122"/>
+              <a:latin typeface="微软雅黑 Light" panose="020B0502040204020203" pitchFamily="34" charset="-122"/>
+              <a:ea typeface="微软雅黑 Light" panose="020B0502040204020203" pitchFamily="34" charset="-122"/>
               <a:sym typeface="宋体" panose="02010600030101010101" pitchFamily="2" charset="-122"/>
             </a:endParaRPr>
           </a:p>
@@ -4268,7 +4268,7 @@
               </a:lnSpc>
             </a:pPr>
             <a:r>
-              <a:rPr lang="zh-CN" altLang="en-US"/>
+              <a:rPr lang="zh-CN" altLang="en-US" dirty="0"/>
               <a:t>三种修改方式</a:t>
             </a:r>
           </a:p>
@@ -4279,7 +4279,7 @@
               </a:lnSpc>
             </a:pPr>
             <a:r>
-              <a:rPr lang="zh-CN" altLang="en-US"/>
+              <a:rPr lang="zh-CN" altLang="en-US" dirty="0"/>
               <a:t>修改某一个元组的值</a:t>
             </a:r>
           </a:p>
@@ -4290,11 +4290,11 @@
               </a:lnSpc>
             </a:pPr>
             <a:r>
-              <a:rPr lang="en-US" altLang="zh-CN"/>
+              <a:rPr lang="en-US" altLang="zh-CN" dirty="0"/>
               <a:t> </a:t>
             </a:r>
             <a:r>
-              <a:rPr lang="zh-CN" altLang="en-US"/>
+              <a:rPr lang="zh-CN" altLang="en-US" dirty="0"/>
               <a:t>修改多个元组的值</a:t>
             </a:r>
           </a:p>
@@ -4305,11 +4305,11 @@
               </a:lnSpc>
             </a:pPr>
             <a:r>
-              <a:rPr lang="en-US" altLang="zh-CN"/>
+              <a:rPr lang="en-US" altLang="zh-CN" dirty="0"/>
               <a:t> </a:t>
             </a:r>
             <a:r>
-              <a:rPr lang="zh-CN" altLang="en-US"/>
+              <a:rPr lang="zh-CN" altLang="en-US" dirty="0"/>
               <a:t>带子查询的修改语句</a:t>
             </a:r>
           </a:p>
@@ -7996,9 +7996,14 @@
               <a:buNone/>
             </a:pPr>
             <a:r>
-              <a:rPr lang="en-US" altLang="zh-CN" sz="2200"/>
-              <a:t>SELECT Sno</a:t>
-            </a:r>
+              <a:rPr lang="en-US" altLang="zh-CN" sz="2200" dirty="0"/>
+              <a:t>SELECT </a:t>
+            </a:r>
+            <a:r>
+              <a:rPr lang="en-US" altLang="zh-CN" sz="2200" dirty="0" err="1"/>
+              <a:t>Sno</a:t>
+            </a:r>
+            <a:endParaRPr lang="en-US" altLang="zh-CN" sz="2200" dirty="0"/>
           </a:p>
           <a:p>
             <a:pPr marL="0" indent="0" eaLnBrk="1" hangingPunct="1">
@@ -8006,7 +8011,7 @@
               <a:buNone/>
             </a:pPr>
             <a:r>
-              <a:rPr lang="en-US" altLang="zh-CN" sz="2200"/>
+              <a:rPr lang="en-US" altLang="zh-CN" sz="2200" dirty="0"/>
               <a:t>FROM SC</a:t>
             </a:r>
           </a:p>
@@ -8016,8 +8021,16 @@
               <a:buNone/>
             </a:pPr>
             <a:r>
-              <a:rPr lang="en-US" altLang="zh-CN" sz="2200"/>
-              <a:t>WHERE Grade &lt; 60 AND Cno='1'</a:t>
+              <a:rPr lang="en-US" altLang="zh-CN" sz="2200" dirty="0"/>
+              <a:t>WHERE Grade &lt; 60 AND </a:t>
+            </a:r>
+            <a:r>
+              <a:rPr lang="en-US" altLang="zh-CN" sz="2200" dirty="0" err="1"/>
+              <a:t>Cno</a:t>
+            </a:r>
+            <a:r>
+              <a:rPr lang="en-US" altLang="zh-CN" sz="2200" dirty="0"/>
+              <a:t>='1'</a:t>
             </a:r>
           </a:p>
           <a:p>
@@ -8026,7 +8039,7 @@
               <a:buNone/>
             </a:pPr>
             <a:r>
-              <a:rPr lang="en-US" altLang="zh-CN" sz="2200"/>
+              <a:rPr lang="en-US" altLang="zh-CN" sz="2200" dirty="0"/>
               <a:t>UNION</a:t>
             </a:r>
           </a:p>
@@ -8036,9 +8049,14 @@
               <a:buNone/>
             </a:pPr>
             <a:r>
-              <a:rPr lang="en-US" altLang="zh-CN" sz="2200"/>
-              <a:t>SELECT Sno</a:t>
-            </a:r>
+              <a:rPr lang="en-US" altLang="zh-CN" sz="2200" dirty="0"/>
+              <a:t>SELECT </a:t>
+            </a:r>
+            <a:r>
+              <a:rPr lang="en-US" altLang="zh-CN" sz="2200" dirty="0" err="1"/>
+              <a:t>Sno</a:t>
+            </a:r>
+            <a:endParaRPr lang="en-US" altLang="zh-CN" sz="2200" dirty="0"/>
           </a:p>
           <a:p>
             <a:pPr marL="0" indent="0" eaLnBrk="1" hangingPunct="1">
@@ -8046,7 +8064,7 @@
               <a:buNone/>
             </a:pPr>
             <a:r>
-              <a:rPr lang="en-US" altLang="zh-CN" sz="2200"/>
+              <a:rPr lang="en-US" altLang="zh-CN" sz="2200" dirty="0"/>
               <a:t>FROM SC</a:t>
             </a:r>
           </a:p>
@@ -8056,8 +8074,16 @@
               <a:buNone/>
             </a:pPr>
             <a:r>
-              <a:rPr lang="en-US" altLang="zh-CN" sz="2200"/>
-              <a:t>WHERE Grade IS NULL AND Cno='1'</a:t>
+              <a:rPr lang="en-US" altLang="zh-CN" sz="2200" dirty="0"/>
+              <a:t>WHERE Grade IS NULL AND </a:t>
+            </a:r>
+            <a:r>
+              <a:rPr lang="en-US" altLang="zh-CN" sz="2200" dirty="0" err="1"/>
+              <a:t>Cno</a:t>
+            </a:r>
+            <a:r>
+              <a:rPr lang="en-US" altLang="zh-CN" sz="2200" dirty="0"/>
+              <a:t>='1'</a:t>
             </a:r>
           </a:p>
           <a:p>
@@ -8066,7 +8092,7 @@
               <a:buNone/>
             </a:pPr>
             <a:r>
-              <a:rPr lang="zh-CN" altLang="en-US" sz="2400"/>
+              <a:rPr lang="zh-CN" altLang="en-US" sz="2400" dirty="0"/>
               <a:t>或者</a:t>
             </a:r>
           </a:p>
@@ -8076,9 +8102,14 @@
               <a:buNone/>
             </a:pPr>
             <a:r>
-              <a:rPr lang="en-US" altLang="zh-CN" sz="2200"/>
-              <a:t>SELECT Sno</a:t>
-            </a:r>
+              <a:rPr lang="en-US" altLang="zh-CN" sz="2200" dirty="0"/>
+              <a:t>SELECT </a:t>
+            </a:r>
+            <a:r>
+              <a:rPr lang="en-US" altLang="zh-CN" sz="2200" dirty="0" err="1"/>
+              <a:t>Sno</a:t>
+            </a:r>
+            <a:endParaRPr lang="en-US" altLang="zh-CN" sz="2200" dirty="0"/>
           </a:p>
           <a:p>
             <a:pPr marL="0" indent="0" eaLnBrk="1" hangingPunct="1">
@@ -8086,7 +8117,7 @@
               <a:buNone/>
             </a:pPr>
             <a:r>
-              <a:rPr lang="en-US" altLang="zh-CN" sz="2200"/>
+              <a:rPr lang="en-US" altLang="zh-CN" sz="2200" dirty="0"/>
               <a:t>FROM SC</a:t>
             </a:r>
           </a:p>
@@ -8096,19 +8127,27 @@
               <a:buNone/>
             </a:pPr>
             <a:r>
-              <a:rPr lang="en-US" altLang="zh-CN" sz="2200"/>
-              <a:t>WHERE Cno='1' AND </a:t>
-            </a:r>
-            <a:r>
-              <a:rPr lang="zh-CN" altLang="en-US" sz="2200"/>
+              <a:rPr lang="en-US" altLang="zh-CN" sz="2200" dirty="0"/>
+              <a:t>WHERE </a:t>
+            </a:r>
+            <a:r>
+              <a:rPr lang="en-US" altLang="zh-CN" sz="2200" dirty="0" err="1"/>
+              <a:t>Cno</a:t>
+            </a:r>
+            <a:r>
+              <a:rPr lang="en-US" altLang="zh-CN" sz="2200" dirty="0"/>
+              <a:t>='1' AND </a:t>
+            </a:r>
+            <a:r>
+              <a:rPr lang="zh-CN" altLang="en-US" sz="2200" dirty="0"/>
               <a:t>(</a:t>
             </a:r>
             <a:r>
-              <a:rPr lang="en-US" altLang="zh-CN" sz="2200"/>
+              <a:rPr lang="en-US" altLang="zh-CN" sz="2200" dirty="0"/>
               <a:t>Grade&lt;60 OR </a:t>
             </a:r>
             <a:r>
-              <a:rPr lang="en-US" altLang="zh-CN" sz="2200">
+              <a:rPr lang="en-US" altLang="zh-CN" sz="2200" dirty="0">
                 <a:solidFill>
                   <a:srgbClr val="FF0000"/>
                 </a:solidFill>
@@ -8116,11 +8155,11 @@
               <a:t>Grade IS NULL</a:t>
             </a:r>
             <a:r>
-              <a:rPr lang="zh-CN" altLang="en-US" sz="2200"/>
+              <a:rPr lang="zh-CN" altLang="en-US" sz="2200" dirty="0"/>
               <a:t>)</a:t>
             </a:r>
             <a:r>
-              <a:rPr lang="en-US" altLang="zh-CN" sz="2200"/>
+              <a:rPr lang="en-US" altLang="zh-CN" sz="2200" dirty="0"/>
               <a:t>;</a:t>
             </a:r>
           </a:p>
@@ -9547,7 +9586,37 @@
                 </a:solidFill>
                 <a:sym typeface="+mn-ea"/>
               </a:rPr>
-              <a:t>对视图进行更新操作时自动添加子查询中的条件</a:t>
+              <a:t>对视图进行</a:t>
+            </a:r>
+            <a:r>
+              <a:rPr lang="zh-CN" altLang="en-US" i="1" u="sng" noProof="1">
+                <a:solidFill>
+                  <a:srgbClr val="0066FF"/>
+                </a:solidFill>
+                <a:sym typeface="+mn-ea"/>
+              </a:rPr>
+              <a:t>更新操作</a:t>
+            </a:r>
+            <a:r>
+              <a:rPr lang="zh-CN" altLang="en-US" noProof="1">
+                <a:solidFill>
+                  <a:srgbClr val="0066FF"/>
+                </a:solidFill>
+                <a:sym typeface="+mn-ea"/>
+              </a:rPr>
+              <a:t>时</a:t>
+            </a:r>
+            <a:r>
+              <a:rPr lang="zh-CN" altLang="en-US" noProof="1">
+                <a:solidFill>
+                  <a:srgbClr val="0066FF"/>
+                </a:solidFill>
+                <a:highlight>
+                  <a:srgbClr val="FFFF00"/>
+                </a:highlight>
+                <a:sym typeface="+mn-ea"/>
+              </a:rPr>
+              <a:t>自动添加子查询中的条件</a:t>
             </a:r>
           </a:p>
         </p:txBody>
@@ -9851,11 +9920,11 @@
               </a:lnSpc>
             </a:pPr>
             <a:r>
-              <a:rPr lang="zh-CN" altLang="en-US"/>
+              <a:rPr lang="zh-CN" altLang="en-US" dirty="0"/>
               <a:t>关系数据库管理系统执行</a:t>
             </a:r>
             <a:r>
-              <a:rPr lang="en-US" altLang="zh-CN">
+              <a:rPr lang="en-US" altLang="zh-CN" dirty="0">
                 <a:solidFill>
                   <a:srgbClr val="0066FF"/>
                 </a:solidFill>
@@ -9863,11 +9932,11 @@
               <a:t>CREATE VIEW</a:t>
             </a:r>
             <a:r>
-              <a:rPr lang="zh-CN" altLang="en-US"/>
+              <a:rPr lang="zh-CN" altLang="en-US" dirty="0"/>
               <a:t>语句时</a:t>
             </a:r>
             <a:r>
-              <a:rPr lang="zh-CN" altLang="en-US">
+              <a:rPr lang="zh-CN" altLang="en-US" dirty="0">
                 <a:solidFill>
                   <a:srgbClr val="0066FF"/>
                 </a:solidFill>
@@ -9875,17 +9944,18 @@
               <a:t>只是把视图定义存入数据字典</a:t>
             </a:r>
             <a:r>
-              <a:rPr lang="zh-CN" altLang="en-US"/>
+              <a:rPr lang="zh-CN" altLang="en-US" dirty="0"/>
               <a:t>，并不执行其中的</a:t>
             </a:r>
             <a:r>
-              <a:rPr lang="en-US" altLang="zh-CN"/>
+              <a:rPr lang="en-US" altLang="zh-CN" dirty="0"/>
               <a:t>SELECT</a:t>
             </a:r>
             <a:r>
-              <a:rPr lang="zh-CN" altLang="en-US"/>
+              <a:rPr lang="zh-CN" altLang="en-US" dirty="0"/>
               <a:t>语句。</a:t>
             </a:r>
+            <a:endParaRPr lang="en-US" altLang="zh-CN" dirty="0"/>
           </a:p>
           <a:p>
             <a:pPr eaLnBrk="1" hangingPunct="1">
@@ -9893,11 +9963,19 @@
                 <a:spcPct val="150000"/>
               </a:lnSpc>
             </a:pPr>
-            <a:r>
-              <a:rPr lang="zh-CN" altLang="en-US"/>
+            <a:endParaRPr lang="zh-CN" altLang="en-US" dirty="0"/>
+          </a:p>
+          <a:p>
+            <a:pPr eaLnBrk="1" hangingPunct="1">
+              <a:lnSpc>
+                <a:spcPct val="150000"/>
+              </a:lnSpc>
+            </a:pPr>
+            <a:r>
+              <a:rPr lang="zh-CN" altLang="en-US" dirty="0"/>
               <a:t>在对视图查询时，按视图的定义从基本表中将数据查出。</a:t>
             </a:r>
-            <a:endParaRPr lang="zh-CN" altLang="en-US" sz="3200"/>
+            <a:endParaRPr lang="zh-CN" altLang="en-US" sz="3200" dirty="0"/>
           </a:p>
         </p:txBody>
       </p:sp>
@@ -10108,6 +10186,43 @@
           </a:p>
         </p:txBody>
       </p:sp>
+      <p:sp>
+        <p:nvSpPr>
+          <p:cNvPr id="2" name="矩形 1">
+            <a:extLst>
+              <a:ext uri="{FF2B5EF4-FFF2-40B4-BE49-F238E27FC236}">
+                <a16:creationId xmlns:a16="http://schemas.microsoft.com/office/drawing/2014/main" id="{B4DAB4D6-C197-456F-88BC-D989980846AE}"/>
+              </a:ext>
+            </a:extLst>
+          </p:cNvPr>
+          <p:cNvSpPr/>
+          <p:nvPr/>
+        </p:nvSpPr>
+        <p:spPr>
+          <a:xfrm>
+            <a:off x="899592" y="5642755"/>
+            <a:ext cx="7272808" cy="369332"/>
+          </a:xfrm>
+          <a:prstGeom prst="rect">
+            <a:avLst/>
+          </a:prstGeom>
+        </p:spPr>
+        <p:txBody>
+          <a:bodyPr wrap="square">
+            <a:spAutoFit/>
+          </a:bodyPr>
+          <a:lstStyle/>
+          <a:p>
+            <a:r>
+              <a:rPr lang="en-US" altLang="zh-CN" dirty="0">
+                <a:hlinkClick r:id="rId2"/>
+              </a:rPr>
+              <a:t>https://blog.csdn.net/qq_38975453/article/details/104720325</a:t>
+            </a:r>
+            <a:endParaRPr lang="zh-CN" altLang="en-US" dirty="0"/>
+          </a:p>
+        </p:txBody>
+      </p:sp>
     </p:spTree>
   </p:cSld>
   <p:clrMapOvr>
@@ -10400,13 +10515,28 @@
                 </a:solidFill>
                 <a:sym typeface="+mn-ea"/>
               </a:rPr>
-              <a:t>会自动加上</a:t>
+              <a:t>会</a:t>
+            </a:r>
+            <a:r>
+              <a:rPr lang="zh-CN" altLang="en-US" sz="2045" noProof="1">
+                <a:solidFill>
+                  <a:srgbClr val="0066FF"/>
+                </a:solidFill>
+                <a:highlight>
+                  <a:srgbClr val="FFFF00"/>
+                </a:highlight>
+                <a:sym typeface="+mn-ea"/>
+              </a:rPr>
+              <a:t>自动加上</a:t>
             </a:r>
             <a:r>
               <a:rPr lang="en-US" altLang="zh-CN" sz="2045" noProof="1">
                 <a:solidFill>
                   <a:srgbClr val="0066FF"/>
                 </a:solidFill>
+                <a:highlight>
+                  <a:srgbClr val="FFFF00"/>
+                </a:highlight>
                 <a:sym typeface="+mn-ea"/>
               </a:rPr>
               <a:t>Sdept='IS'</a:t>
@@ -10416,6 +10546,9 @@
                 <a:solidFill>
                   <a:srgbClr val="0066FF"/>
                 </a:solidFill>
+                <a:highlight>
+                  <a:srgbClr val="FFFF00"/>
+                </a:highlight>
                 <a:sym typeface="+mn-ea"/>
               </a:rPr>
               <a:t>的条件</a:t>
@@ -13656,7 +13789,6 @@
           </a:p>
           <a:p>
             <a:pPr marL="990600" lvl="1" indent="-533400">
-              <a:buFont typeface="Wingdings" panose="05000000000000000000" pitchFamily="2" charset="2"/>
               <a:buNone/>
             </a:pPr>
             <a:r>
@@ -13681,8 +13813,37 @@
                   <a:srgbClr val="FF0000"/>
                 </a:solidFill>
               </a:rPr>
-              <a:t>之前，已学习过</a:t>
-            </a:r>
+              <a:t>之前，已学习过：</a:t>
+            </a:r>
+            <a:r>
+              <a:rPr lang="zh-CN" altLang="en-US" dirty="0"/>
+              <a:t>例</a:t>
+            </a:r>
+            <a:r>
+              <a:rPr lang="en-US" altLang="zh-CN" dirty="0"/>
+              <a:t>3.69</a:t>
+            </a:r>
+            <a:r>
+              <a:rPr lang="zh-CN" altLang="en-US" dirty="0"/>
+              <a:t>；例</a:t>
+            </a:r>
+            <a:r>
+              <a:rPr lang="en-US" altLang="zh-CN" dirty="0"/>
+              <a:t>3.70</a:t>
+            </a:r>
+            <a:r>
+              <a:rPr lang="zh-CN" altLang="en-US" dirty="0"/>
+              <a:t>；例</a:t>
+            </a:r>
+            <a:r>
+              <a:rPr lang="en-US" altLang="zh-CN" dirty="0"/>
+              <a:t>3.71</a:t>
+            </a:r>
+            <a:endParaRPr lang="zh-CN" altLang="en-US" noProof="1">
+              <a:solidFill>
+                <a:srgbClr val="FF0000"/>
+              </a:solidFill>
+            </a:endParaRPr>
           </a:p>
         </p:txBody>
       </p:sp>
@@ -15869,164 +16030,84 @@
           <a:p>
             <a:pPr eaLnBrk="1" hangingPunct="1"/>
             <a:r>
-              <a:rPr lang="en-US" altLang="zh-CN" sz="3600"/>
-              <a:t>3.8 </a:t>
-            </a:r>
-            <a:r>
-              <a:rPr lang="zh-CN" altLang="en-US" sz="3600"/>
-              <a:t>小结</a:t>
+              <a:rPr lang="zh-CN" altLang="en-US" sz="3600" dirty="0"/>
+              <a:t>作业</a:t>
             </a:r>
           </a:p>
         </p:txBody>
       </p:sp>
-      <p:sp>
-        <p:nvSpPr>
-          <p:cNvPr id="83970" name="内容占位符 2">
+      <p:pic>
+        <p:nvPicPr>
+          <p:cNvPr id="3" name="图片 2">
             <a:extLst>
               <a:ext uri="{FF2B5EF4-FFF2-40B4-BE49-F238E27FC236}">
-                <a16:creationId xmlns:a16="http://schemas.microsoft.com/office/drawing/2014/main" id="{4015A8C9-8C96-4A60-8FFD-644AE0560B01}"/>
+                <a16:creationId xmlns:a16="http://schemas.microsoft.com/office/drawing/2014/main" id="{B56EA64D-E48A-4BCB-870C-D40E5090B742}"/>
               </a:ext>
             </a:extLst>
           </p:cNvPr>
-          <p:cNvSpPr>
-            <a:spLocks noGrp="1"/>
-          </p:cNvSpPr>
-          <p:nvPr>
-            <p:ph idx="4294967295"/>
-          </p:nvPr>
-        </p:nvSpPr>
+          <p:cNvPicPr>
+            <a:picLocks noChangeAspect="1"/>
+          </p:cNvPicPr>
+          <p:nvPr/>
+        </p:nvPicPr>
+        <p:blipFill>
+          <a:blip r:embed="rId2">
+            <a:extLst>
+              <a:ext uri="{28A0092B-C50C-407E-A947-70E740481C1C}">
+                <a14:useLocalDpi xmlns:a14="http://schemas.microsoft.com/office/drawing/2010/main" val="0"/>
+              </a:ext>
+            </a:extLst>
+          </a:blip>
+          <a:stretch>
+            <a:fillRect/>
+          </a:stretch>
+        </p:blipFill>
         <p:spPr>
           <a:xfrm>
-            <a:off x="457200" y="1098550"/>
-            <a:ext cx="8229600" cy="5670550"/>
+            <a:off x="799953" y="842270"/>
+            <a:ext cx="7336133" cy="4242913"/>
           </a:xfrm>
-          <a:ln>
-            <a:miter/>
-          </a:ln>
+          <a:prstGeom prst="rect">
+            <a:avLst/>
+          </a:prstGeom>
         </p:spPr>
-        <p:txBody>
-          <a:bodyPr/>
-          <a:lstStyle/>
-          <a:p>
-            <a:pPr marL="0" indent="0" eaLnBrk="1" hangingPunct="1">
-              <a:lnSpc>
-                <a:spcPct val="120000"/>
-              </a:lnSpc>
-              <a:buFont typeface="Wingdings" panose="05000000000000000000" pitchFamily="2" charset="2"/>
-              <a:buNone/>
-            </a:pPr>
-            <a:endParaRPr lang="zh-CN" altLang="en-US" noProof="1">
-              <a:solidFill>
-                <a:schemeClr val="accent4"/>
-              </a:solidFill>
-            </a:endParaRPr>
-          </a:p>
-          <a:p>
-            <a:pPr marL="0" indent="0" eaLnBrk="1" hangingPunct="1">
-              <a:lnSpc>
-                <a:spcPct val="120000"/>
-              </a:lnSpc>
-              <a:buFont typeface="Wingdings" panose="05000000000000000000" pitchFamily="2" charset="2"/>
-              <a:buNone/>
-            </a:pPr>
-            <a:endParaRPr lang="zh-CN" altLang="en-US" noProof="1">
-              <a:solidFill>
-                <a:schemeClr val="accent4"/>
-              </a:solidFill>
-            </a:endParaRPr>
-          </a:p>
-          <a:p>
-            <a:pPr marL="0" indent="0" eaLnBrk="1" hangingPunct="1">
-              <a:lnSpc>
-                <a:spcPct val="120000"/>
-              </a:lnSpc>
-              <a:buFont typeface="Wingdings" panose="05000000000000000000" pitchFamily="2" charset="2"/>
-              <a:buNone/>
-            </a:pPr>
-            <a:r>
-              <a:rPr lang="zh-CN" altLang="en-US" noProof="1">
-                <a:solidFill>
-                  <a:schemeClr val="accent4"/>
-                </a:solidFill>
-              </a:rPr>
-              <a:t>                            </a:t>
-            </a:r>
-            <a:r>
-              <a:rPr lang="zh-CN" altLang="en-US" sz="3600" noProof="1">
-                <a:solidFill>
-                  <a:schemeClr val="accent4"/>
-                </a:solidFill>
-              </a:rPr>
-              <a:t>   </a:t>
-            </a:r>
-            <a:r>
-              <a:rPr lang="zh-CN" altLang="en-US" sz="4000" noProof="1">
-                <a:ln w="22225">
-                  <a:solidFill>
-                    <a:schemeClr val="accent2"/>
-                  </a:solidFill>
-                  <a:prstDash val="solid"/>
-                </a:ln>
-                <a:solidFill>
-                  <a:schemeClr val="accent2">
-                    <a:lumMod val="40000"/>
-                    <a:lumOff val="60000"/>
-                  </a:schemeClr>
-                </a:solidFill>
-              </a:rPr>
-              <a:t>   第三章</a:t>
-            </a:r>
-          </a:p>
-          <a:p>
-            <a:pPr marL="0" indent="0" eaLnBrk="1" hangingPunct="1">
-              <a:lnSpc>
-                <a:spcPct val="120000"/>
-              </a:lnSpc>
-              <a:buFont typeface="Wingdings" panose="05000000000000000000" pitchFamily="2" charset="2"/>
-              <a:buNone/>
-            </a:pPr>
-            <a:r>
-              <a:rPr lang="en-US" altLang="zh-CN" sz="4000" noProof="1">
-                <a:ln w="22225">
-                  <a:solidFill>
-                    <a:schemeClr val="accent2"/>
-                  </a:solidFill>
-                  <a:prstDash val="solid"/>
-                </a:ln>
-                <a:solidFill>
-                  <a:schemeClr val="accent2">
-                    <a:lumMod val="40000"/>
-                    <a:lumOff val="60000"/>
-                  </a:schemeClr>
-                </a:solidFill>
-              </a:rPr>
-              <a:t>                           END</a:t>
-            </a:r>
-          </a:p>
-          <a:p>
-            <a:pPr marL="0" indent="0" eaLnBrk="1" hangingPunct="1">
-              <a:lnSpc>
-                <a:spcPct val="120000"/>
-              </a:lnSpc>
-              <a:buFont typeface="Wingdings" panose="05000000000000000000" pitchFamily="2" charset="2"/>
-              <a:buNone/>
-            </a:pPr>
-            <a:r>
-              <a:rPr lang="zh-CN" altLang="en-US" sz="3200" noProof="1">
-                <a:solidFill>
-                  <a:schemeClr val="accent4"/>
-                </a:solidFill>
-              </a:rPr>
-              <a:t>       </a:t>
-            </a:r>
-            <a:endParaRPr lang="en-US" altLang="zh-CN" sz="3200" noProof="1">
-              <a:solidFill>
-                <a:schemeClr val="accent4"/>
-              </a:solidFill>
-            </a:endParaRPr>
-          </a:p>
-        </p:txBody>
-      </p:sp>
+      </p:pic>
+      <p:pic>
+        <p:nvPicPr>
+          <p:cNvPr id="5" name="图片 4">
+            <a:extLst>
+              <a:ext uri="{FF2B5EF4-FFF2-40B4-BE49-F238E27FC236}">
+                <a16:creationId xmlns:a16="http://schemas.microsoft.com/office/drawing/2014/main" id="{3971CCF5-2C4F-4A02-8B14-BF639EB1F254}"/>
+              </a:ext>
+            </a:extLst>
+          </p:cNvPr>
+          <p:cNvPicPr>
+            <a:picLocks noChangeAspect="1"/>
+          </p:cNvPicPr>
+          <p:nvPr/>
+        </p:nvPicPr>
+        <p:blipFill>
+          <a:blip r:embed="rId3">
+            <a:extLst>
+              <a:ext uri="{28A0092B-C50C-407E-A947-70E740481C1C}">
+                <a14:useLocalDpi xmlns:a14="http://schemas.microsoft.com/office/drawing/2010/main" val="0"/>
+              </a:ext>
+            </a:extLst>
+          </a:blip>
+          <a:stretch>
+            <a:fillRect/>
+          </a:stretch>
+        </p:blipFill>
+        <p:spPr>
+          <a:xfrm>
+            <a:off x="800626" y="5085183"/>
+            <a:ext cx="7336134" cy="1129320"/>
+          </a:xfrm>
+          <a:prstGeom prst="rect">
+            <a:avLst/>
+          </a:prstGeom>
+        </p:spPr>
+      </p:pic>
     </p:spTree>
   </p:cSld>
   <p:clrMapOvr>
@@ -16113,7 +16194,7 @@
           <a:p>
             <a:pPr eaLnBrk="1" hangingPunct="1"/>
             <a:r>
-              <a:rPr lang="zh-CN" altLang="en-US"/>
+              <a:rPr lang="zh-CN" altLang="en-US" dirty="0"/>
               <a:t>语句格式</a:t>
             </a:r>
           </a:p>
@@ -16123,15 +16204,15 @@
               <a:buNone/>
             </a:pPr>
             <a:r>
-              <a:rPr lang="zh-CN" altLang="en-US"/>
+              <a:rPr lang="zh-CN" altLang="en-US" dirty="0"/>
               <a:t>   </a:t>
             </a:r>
             <a:r>
-              <a:rPr lang="zh-CN" altLang="en-US" sz="2400"/>
+              <a:rPr lang="zh-CN" altLang="en-US" sz="2400" dirty="0"/>
               <a:t> </a:t>
             </a:r>
             <a:r>
-              <a:rPr lang="en-US" altLang="zh-CN" sz="2400"/>
+              <a:rPr lang="en-US" altLang="zh-CN" sz="2400" dirty="0"/>
               <a:t>INSERT </a:t>
             </a:r>
           </a:p>
@@ -16141,63 +16222,63 @@
               <a:buNone/>
             </a:pPr>
             <a:r>
-              <a:rPr lang="en-US" altLang="zh-CN" sz="2400"/>
+              <a:rPr lang="en-US" altLang="zh-CN" sz="2400" dirty="0"/>
               <a:t>    </a:t>
             </a:r>
             <a:r>
-              <a:rPr lang="zh-CN" altLang="en-US" sz="2400"/>
+              <a:rPr lang="zh-CN" altLang="en-US" sz="2400" dirty="0"/>
               <a:t> </a:t>
             </a:r>
             <a:r>
-              <a:rPr lang="en-US" altLang="zh-CN" sz="2400"/>
+              <a:rPr lang="en-US" altLang="zh-CN" sz="2400" dirty="0"/>
               <a:t>INTO &lt;</a:t>
             </a:r>
             <a:r>
-              <a:rPr lang="zh-CN" altLang="en-US" sz="2400"/>
+              <a:rPr lang="zh-CN" altLang="en-US" sz="2400" dirty="0"/>
               <a:t>表名</a:t>
             </a:r>
             <a:r>
-              <a:rPr lang="en-US" altLang="zh-CN" sz="2400"/>
+              <a:rPr lang="en-US" altLang="zh-CN" sz="2400" dirty="0"/>
               <a:t>&gt;  [</a:t>
             </a:r>
             <a:r>
-              <a:rPr lang="zh-CN" altLang="en-US" sz="2400"/>
+              <a:rPr lang="zh-CN" altLang="en-US" sz="2400" dirty="0"/>
               <a:t>(</a:t>
             </a:r>
             <a:r>
-              <a:rPr lang="en-US" altLang="zh-CN" sz="2400"/>
+              <a:rPr lang="en-US" altLang="zh-CN" sz="2400" dirty="0"/>
               <a:t>&lt;</a:t>
             </a:r>
             <a:r>
-              <a:rPr lang="zh-CN" altLang="en-US" sz="2400"/>
+              <a:rPr lang="zh-CN" altLang="en-US" sz="2400" dirty="0"/>
               <a:t>属性列</a:t>
             </a:r>
             <a:r>
-              <a:rPr lang="en-US" altLang="zh-CN" sz="2400"/>
+              <a:rPr lang="en-US" altLang="zh-CN" sz="2400" dirty="0"/>
               <a:t>1&gt; [</a:t>
             </a:r>
             <a:r>
-              <a:rPr lang="zh-CN" altLang="en-US" sz="2400"/>
+              <a:rPr lang="zh-CN" altLang="en-US" sz="2400" dirty="0"/>
               <a:t>,</a:t>
             </a:r>
             <a:r>
-              <a:rPr lang="en-US" altLang="zh-CN" sz="2400"/>
+              <a:rPr lang="en-US" altLang="zh-CN" sz="2400" dirty="0"/>
               <a:t>&lt;</a:t>
             </a:r>
             <a:r>
-              <a:rPr lang="zh-CN" altLang="en-US" sz="2400"/>
+              <a:rPr lang="zh-CN" altLang="en-US" sz="2400" dirty="0"/>
               <a:t>属性列</a:t>
             </a:r>
             <a:r>
-              <a:rPr lang="en-US" altLang="zh-CN" sz="2400"/>
+              <a:rPr lang="en-US" altLang="zh-CN" sz="2400" dirty="0"/>
               <a:t>2&gt;…  </a:t>
             </a:r>
             <a:r>
-              <a:rPr lang="zh-CN" altLang="en-US" sz="2400"/>
+              <a:rPr lang="zh-CN" altLang="en-US" sz="2400" dirty="0"/>
               <a:t>)</a:t>
             </a:r>
             <a:r>
-              <a:rPr lang="en-US" altLang="zh-CN" sz="2400"/>
+              <a:rPr lang="en-US" altLang="zh-CN" sz="2400" dirty="0"/>
               <a:t>]</a:t>
             </a:r>
           </a:p>
@@ -16207,12 +16288,12 @@
               <a:buNone/>
             </a:pPr>
             <a:r>
-              <a:rPr lang="en-US" altLang="zh-CN" sz="2400"/>
+              <a:rPr lang="en-US" altLang="zh-CN" sz="2400" dirty="0"/>
               <a:t> </a:t>
             </a:r>
             <a:r>
-              <a:rPr lang="zh-CN" altLang="en-US" sz="2400"/>
-              <a:t>	子查询;</a:t>
+              <a:rPr lang="zh-CN" altLang="en-US" sz="2400" dirty="0"/>
+              <a:t>	      子查询;</a:t>
             </a:r>
           </a:p>
           <a:p>
@@ -16220,7 +16301,7 @@
               <a:buFont typeface="Wingdings" panose="05000000000000000000" pitchFamily="2" charset="2"/>
               <a:buNone/>
             </a:pPr>
-            <a:endParaRPr lang="en-US" altLang="zh-CN"/>
+            <a:endParaRPr lang="en-US" altLang="zh-CN" dirty="0"/>
           </a:p>
           <a:p>
             <a:pPr marL="457200" lvl="1" indent="0" eaLnBrk="1" hangingPunct="1">
@@ -16228,23 +16309,23 @@
               <a:buNone/>
             </a:pPr>
             <a:r>
-              <a:rPr lang="zh-CN" altLang="en-US"/>
+              <a:rPr lang="zh-CN" altLang="en-US" dirty="0"/>
               <a:t>子查询</a:t>
             </a:r>
             <a:r>
-              <a:rPr lang="en-US" altLang="zh-CN" sz="2200"/>
+              <a:rPr lang="en-US" altLang="zh-CN" sz="2200" dirty="0"/>
               <a:t>SELECT</a:t>
             </a:r>
             <a:r>
-              <a:rPr lang="zh-CN" altLang="en-US" sz="2200"/>
+              <a:rPr lang="zh-CN" altLang="en-US" sz="2200" dirty="0"/>
               <a:t>子句目标列必须与</a:t>
             </a:r>
             <a:r>
-              <a:rPr lang="en-US" altLang="zh-CN" sz="2200"/>
+              <a:rPr lang="en-US" altLang="zh-CN" sz="2200" dirty="0"/>
               <a:t>INTO</a:t>
             </a:r>
             <a:r>
-              <a:rPr lang="zh-CN" altLang="en-US" sz="2200"/>
+              <a:rPr lang="zh-CN" altLang="en-US" sz="2200" dirty="0"/>
               <a:t>子句匹配</a:t>
             </a:r>
           </a:p>
@@ -16254,7 +16335,7 @@
               <a:buChar char="Ø"/>
             </a:pPr>
             <a:r>
-              <a:rPr lang="zh-CN" altLang="en-US" sz="2200"/>
+              <a:rPr lang="zh-CN" altLang="en-US" sz="2200" dirty="0"/>
               <a:t>值的个数</a:t>
             </a:r>
           </a:p>
@@ -16264,7 +16345,7 @@
               <a:buChar char="Ø"/>
             </a:pPr>
             <a:r>
-              <a:rPr lang="zh-CN" altLang="en-US" sz="2200"/>
+              <a:rPr lang="zh-CN" altLang="en-US" sz="2200" dirty="0"/>
               <a:t>值的类型</a:t>
             </a:r>
           </a:p>
@@ -16273,7 +16354,7 @@
               <a:buFont typeface="Wingdings" panose="05000000000000000000" pitchFamily="2" charset="2"/>
               <a:buNone/>
             </a:pPr>
-            <a:endParaRPr lang="zh-CN" altLang="en-US" sz="2200"/>
+            <a:endParaRPr lang="zh-CN" altLang="en-US" sz="2200" dirty="0"/>
           </a:p>
         </p:txBody>
       </p:sp>
@@ -16368,22 +16449,22 @@
               <a:buNone/>
             </a:pPr>
             <a:r>
-              <a:rPr lang="en-US" altLang="zh-CN" sz="2400"/>
+              <a:rPr lang="en-US" altLang="zh-CN" sz="2400" dirty="0"/>
               <a:t>[</a:t>
             </a:r>
             <a:r>
-              <a:rPr lang="zh-CN" altLang="en-US" sz="2400"/>
+              <a:rPr lang="zh-CN" altLang="en-US" sz="2400" dirty="0"/>
               <a:t>例</a:t>
             </a:r>
             <a:r>
-              <a:rPr lang="en-US" altLang="zh-CN" sz="2400"/>
+              <a:rPr lang="en-US" altLang="zh-CN" sz="2400" dirty="0"/>
               <a:t>3.72]  </a:t>
             </a:r>
             <a:r>
-              <a:rPr lang="zh-CN" altLang="en-US" sz="2400"/>
+              <a:rPr lang="zh-CN" altLang="en-US" sz="2400" dirty="0"/>
               <a:t>对每一个系，求学生的平均年龄，并把结果存入数据库</a:t>
             </a:r>
-            <a:endParaRPr lang="en-US" altLang="zh-CN" sz="2400"/>
+            <a:endParaRPr lang="en-US" altLang="zh-CN" sz="2400" dirty="0"/>
           </a:p>
           <a:p>
             <a:pPr eaLnBrk="1" hangingPunct="1">
@@ -16397,7 +16478,7 @@
               <a:buNone/>
             </a:pPr>
             <a:r>
-              <a:rPr lang="zh-CN" altLang="en-US" sz="2400"/>
+              <a:rPr lang="zh-CN" altLang="en-US" sz="2400" dirty="0"/>
               <a:t>第一步：建表</a:t>
             </a:r>
           </a:p>
@@ -16413,17 +16494,22 @@
               <a:buNone/>
             </a:pPr>
             <a:r>
-              <a:rPr lang="zh-CN" altLang="en-US" sz="2200"/>
+              <a:rPr lang="zh-CN" altLang="en-US" sz="2200" dirty="0"/>
               <a:t>     </a:t>
             </a:r>
             <a:r>
-              <a:rPr lang="zh-CN" altLang="en-US" sz="2400"/>
+              <a:rPr lang="zh-CN" altLang="en-US" sz="2400" dirty="0"/>
               <a:t> </a:t>
             </a:r>
             <a:r>
-              <a:rPr lang="en-US" altLang="zh-CN" sz="2400"/>
-              <a:t>CREATE  TABLE  Dept_age</a:t>
-            </a:r>
+              <a:rPr lang="en-US" altLang="zh-CN" sz="2400" dirty="0"/>
+              <a:t>CREATE  TABLE  </a:t>
+            </a:r>
+            <a:r>
+              <a:rPr lang="en-US" altLang="zh-CN" sz="2400" dirty="0" err="1"/>
+              <a:t>Dept_age</a:t>
+            </a:r>
+            <a:endParaRPr lang="en-US" altLang="zh-CN" sz="2400" dirty="0"/>
           </a:p>
           <a:p>
             <a:pPr eaLnBrk="1" hangingPunct="1">
@@ -16437,43 +16523,47 @@
               <a:buNone/>
             </a:pPr>
             <a:r>
-              <a:rPr lang="en-US" altLang="zh-CN" sz="2400"/>
+              <a:rPr lang="en-US" altLang="zh-CN" sz="2400" dirty="0"/>
               <a:t>          </a:t>
             </a:r>
             <a:r>
-              <a:rPr lang="zh-CN" altLang="en-US" sz="2400"/>
+              <a:rPr lang="zh-CN" altLang="en-US" sz="2400" dirty="0"/>
               <a:t>( </a:t>
             </a:r>
             <a:r>
-              <a:rPr lang="en-US" altLang="zh-CN" sz="2400"/>
-              <a:t>Sdept     CHAR</a:t>
-            </a:r>
-            <a:r>
-              <a:rPr lang="zh-CN" altLang="en-US" sz="2400"/>
+              <a:rPr lang="en-US" altLang="zh-CN" sz="2400" dirty="0" err="1"/>
+              <a:t>Sdept</a:t>
+            </a:r>
+            <a:r>
+              <a:rPr lang="en-US" altLang="zh-CN" sz="2400" dirty="0"/>
+              <a:t>     CHAR</a:t>
+            </a:r>
+            <a:r>
+              <a:rPr lang="zh-CN" altLang="en-US" sz="2400" dirty="0"/>
               <a:t>(</a:t>
             </a:r>
             <a:r>
-              <a:rPr lang="en-US" altLang="zh-CN" sz="2400"/>
+              <a:rPr lang="en-US" altLang="zh-CN" sz="2400" dirty="0"/>
               <a:t>15</a:t>
             </a:r>
             <a:r>
-              <a:rPr lang="zh-CN" altLang="en-US" sz="2400"/>
+              <a:rPr lang="zh-CN" altLang="en-US" sz="2400" dirty="0"/>
               <a:t>)</a:t>
             </a:r>
             <a:r>
-              <a:rPr lang="en-US" altLang="zh-CN" sz="2400"/>
+              <a:rPr lang="en-US" altLang="zh-CN" sz="2400" dirty="0"/>
               <a:t>                     </a:t>
             </a:r>
             <a:r>
-              <a:rPr lang="en-US" altLang="zh-CN" sz="2200"/>
+              <a:rPr lang="en-US" altLang="zh-CN" sz="2200" dirty="0"/>
               <a:t>/*</a:t>
             </a:r>
             <a:r>
-              <a:rPr lang="zh-CN" altLang="en-US" sz="2200"/>
+              <a:rPr lang="zh-CN" altLang="en-US" sz="2200" dirty="0"/>
               <a:t>系名*</a:t>
             </a:r>
             <a:r>
-              <a:rPr lang="en-US" altLang="zh-CN" sz="2200"/>
+              <a:rPr lang="en-US" altLang="zh-CN" sz="2200" dirty="0"/>
               <a:t>/</a:t>
             </a:r>
           </a:p>
@@ -16489,27 +16579,35 @@
               <a:buNone/>
             </a:pPr>
             <a:r>
-              <a:rPr lang="en-US" altLang="zh-CN" sz="2400"/>
-              <a:t>            Avg_age SMALLINT</a:t>
-            </a:r>
-            <a:r>
-              <a:rPr lang="zh-CN" altLang="en-US" sz="2400"/>
+              <a:rPr lang="en-US" altLang="zh-CN" sz="2400" dirty="0"/>
+              <a:t>            </a:t>
+            </a:r>
+            <a:r>
+              <a:rPr lang="en-US" altLang="zh-CN" sz="2400" dirty="0" err="1"/>
+              <a:t>Avg_age</a:t>
+            </a:r>
+            <a:r>
+              <a:rPr lang="en-US" altLang="zh-CN" sz="2400" dirty="0"/>
+              <a:t> SMALLINT</a:t>
+            </a:r>
+            <a:r>
+              <a:rPr lang="zh-CN" altLang="en-US" sz="2400" dirty="0"/>
               <a:t>);</a:t>
             </a:r>
             <a:r>
-              <a:rPr lang="zh-CN" altLang="en-US" sz="2200"/>
+              <a:rPr lang="zh-CN" altLang="en-US" sz="2200" dirty="0"/>
               <a:t>          	</a:t>
             </a:r>
             <a:r>
-              <a:rPr lang="en-US" altLang="zh-CN" sz="2200"/>
+              <a:rPr lang="en-US" altLang="zh-CN" sz="2200" dirty="0"/>
               <a:t>/*</a:t>
             </a:r>
             <a:r>
-              <a:rPr lang="zh-CN" altLang="en-US" sz="2200"/>
+              <a:rPr lang="zh-CN" altLang="en-US" sz="2200" dirty="0"/>
               <a:t>学生平均年龄*</a:t>
             </a:r>
             <a:r>
-              <a:rPr lang="en-US" altLang="zh-CN" sz="2200"/>
+              <a:rPr lang="en-US" altLang="zh-CN" sz="2200" dirty="0"/>
               <a:t>/</a:t>
             </a:r>
           </a:p>
@@ -16525,7 +16623,7 @@
               <a:buNone/>
             </a:pPr>
             <a:r>
-              <a:rPr lang="zh-CN" altLang="en-US" sz="2400"/>
+              <a:rPr lang="zh-CN" altLang="en-US" sz="2400" dirty="0"/>
               <a:t>第二步：插入数据</a:t>
             </a:r>
           </a:p>
@@ -16541,15 +16639,15 @@
               <a:buNone/>
             </a:pPr>
             <a:r>
-              <a:rPr lang="zh-CN" altLang="en-US" sz="2200"/>
+              <a:rPr lang="zh-CN" altLang="en-US" sz="2200" dirty="0"/>
               <a:t>       </a:t>
             </a:r>
             <a:r>
-              <a:rPr lang="zh-CN" altLang="en-US" sz="2400"/>
+              <a:rPr lang="zh-CN" altLang="en-US" sz="2400" dirty="0"/>
               <a:t> </a:t>
             </a:r>
             <a:r>
-              <a:rPr lang="en-US" altLang="zh-CN" sz="2400"/>
+              <a:rPr lang="en-US" altLang="zh-CN" sz="2400" dirty="0"/>
               <a:t>INSERT</a:t>
             </a:r>
           </a:p>
@@ -16565,15 +16663,19 @@
               <a:buNone/>
             </a:pPr>
             <a:r>
-              <a:rPr lang="en-US" altLang="zh-CN" sz="2400"/>
-              <a:t>       INTO  Dept_age</a:t>
-            </a:r>
-            <a:r>
-              <a:rPr lang="zh-CN" altLang="en-US" sz="2400"/>
+              <a:rPr lang="en-US" altLang="zh-CN" sz="2400" dirty="0"/>
+              <a:t>       INTO  </a:t>
+            </a:r>
+            <a:r>
+              <a:rPr lang="en-US" altLang="zh-CN" sz="2400" dirty="0" err="1"/>
+              <a:t>Dept_age</a:t>
+            </a:r>
+            <a:r>
+              <a:rPr lang="zh-CN" altLang="en-US" sz="2400" dirty="0"/>
               <a:t>(</a:t>
             </a:r>
             <a:r>
-              <a:rPr lang="en-US" altLang="zh-CN" sz="2400">
+              <a:rPr lang="en-US" altLang="zh-CN" sz="2400" dirty="0" err="1">
                 <a:solidFill>
                   <a:srgbClr val="0066FF"/>
                 </a:solidFill>
@@ -16581,7 +16683,7 @@
               <a:t>Sdept</a:t>
             </a:r>
             <a:r>
-              <a:rPr lang="zh-CN" altLang="en-US" sz="2400">
+              <a:rPr lang="zh-CN" altLang="en-US" sz="2400" dirty="0">
                 <a:solidFill>
                   <a:srgbClr val="0066FF"/>
                 </a:solidFill>
@@ -16589,7 +16691,7 @@
               <a:t>,</a:t>
             </a:r>
             <a:r>
-              <a:rPr lang="en-US" altLang="zh-CN" sz="2400">
+              <a:rPr lang="en-US" altLang="zh-CN" sz="2400" dirty="0" err="1">
                 <a:solidFill>
                   <a:srgbClr val="0066FF"/>
                 </a:solidFill>
@@ -16597,7 +16699,7 @@
               <a:t>Avg_age</a:t>
             </a:r>
             <a:r>
-              <a:rPr lang="zh-CN" altLang="en-US" sz="2400"/>
+              <a:rPr lang="zh-CN" altLang="en-US" sz="2400" dirty="0"/>
               <a:t>)</a:t>
             </a:r>
           </a:p>
@@ -16613,11 +16715,11 @@
               <a:buNone/>
             </a:pPr>
             <a:r>
-              <a:rPr lang="en-US" altLang="zh-CN" sz="2400"/>
+              <a:rPr lang="en-US" altLang="zh-CN" sz="2400" dirty="0"/>
               <a:t>              SELECT  </a:t>
             </a:r>
             <a:r>
-              <a:rPr lang="en-US" altLang="zh-CN" sz="2400">
+              <a:rPr lang="en-US" altLang="zh-CN" sz="2400" dirty="0" err="1">
                 <a:solidFill>
                   <a:srgbClr val="0066FF"/>
                 </a:solidFill>
@@ -16625,7 +16727,7 @@
               <a:t>Sdept</a:t>
             </a:r>
             <a:r>
-              <a:rPr lang="zh-CN" altLang="en-US" sz="2400">
+              <a:rPr lang="zh-CN" altLang="en-US" sz="2400" dirty="0">
                 <a:solidFill>
                   <a:srgbClr val="0066FF"/>
                 </a:solidFill>
@@ -16633,7 +16735,7 @@
               <a:t>，</a:t>
             </a:r>
             <a:r>
-              <a:rPr lang="en-US" altLang="zh-CN" sz="2400">
+              <a:rPr lang="en-US" altLang="zh-CN" sz="2400" dirty="0">
                 <a:solidFill>
                   <a:srgbClr val="0066FF"/>
                 </a:solidFill>
@@ -16641,7 +16743,7 @@
               <a:t>AVG</a:t>
             </a:r>
             <a:r>
-              <a:rPr lang="zh-CN" altLang="en-US" sz="2400">
+              <a:rPr lang="zh-CN" altLang="en-US" sz="2400" dirty="0">
                 <a:solidFill>
                   <a:srgbClr val="0066FF"/>
                 </a:solidFill>
@@ -16649,7 +16751,7 @@
               <a:t>(</a:t>
             </a:r>
             <a:r>
-              <a:rPr lang="en-US" altLang="zh-CN" sz="2400">
+              <a:rPr lang="en-US" altLang="zh-CN" sz="2400" dirty="0">
                 <a:solidFill>
                   <a:srgbClr val="0066FF"/>
                 </a:solidFill>
@@ -16657,7 +16759,7 @@
               <a:t>Sage</a:t>
             </a:r>
             <a:r>
-              <a:rPr lang="zh-CN" altLang="en-US" sz="2400">
+              <a:rPr lang="zh-CN" altLang="en-US" sz="2400" dirty="0">
                 <a:solidFill>
                   <a:srgbClr val="0066FF"/>
                 </a:solidFill>
@@ -16677,7 +16779,7 @@
               <a:buNone/>
             </a:pPr>
             <a:r>
-              <a:rPr lang="en-US" altLang="zh-CN" sz="2400"/>
+              <a:rPr lang="en-US" altLang="zh-CN" sz="2400" dirty="0"/>
               <a:t>              FROM     Student</a:t>
             </a:r>
           </a:p>
@@ -16693,11 +16795,15 @@
               <a:buNone/>
             </a:pPr>
             <a:r>
-              <a:rPr lang="en-US" altLang="zh-CN" sz="2400"/>
-              <a:t>              GROUP BY Sdept</a:t>
-            </a:r>
-            <a:r>
-              <a:rPr lang="zh-CN" altLang="en-US" sz="2400"/>
+              <a:rPr lang="en-US" altLang="zh-CN" sz="2400" dirty="0"/>
+              <a:t>              GROUP BY </a:t>
+            </a:r>
+            <a:r>
+              <a:rPr lang="en-US" altLang="zh-CN" sz="2400" dirty="0" err="1"/>
+              <a:t>Sdept</a:t>
+            </a:r>
+            <a:r>
+              <a:rPr lang="zh-CN" altLang="en-US" sz="2400" dirty="0"/>
               <a:t>;</a:t>
             </a:r>
           </a:p>
@@ -16709,7 +16815,7 @@
               <a:buFont typeface="Wingdings" panose="05000000000000000000" pitchFamily="2" charset="2"/>
               <a:buNone/>
             </a:pPr>
-            <a:endParaRPr lang="en-US" altLang="zh-CN" sz="2400"/>
+            <a:endParaRPr lang="en-US" altLang="zh-CN" sz="2400" dirty="0"/>
           </a:p>
           <a:p>
             <a:pPr eaLnBrk="1" hangingPunct="1">
@@ -16720,9 +16826,46 @@
               <a:buNone/>
             </a:pPr>
             <a:r>
-              <a:rPr lang="en-US" altLang="zh-CN" sz="2400"/>
+              <a:rPr lang="en-US" altLang="zh-CN" sz="2400" dirty="0"/>
               <a:t>                                         </a:t>
             </a:r>
+          </a:p>
+        </p:txBody>
+      </p:sp>
+      <p:sp>
+        <p:nvSpPr>
+          <p:cNvPr id="2" name="矩形 1">
+            <a:extLst>
+              <a:ext uri="{FF2B5EF4-FFF2-40B4-BE49-F238E27FC236}">
+                <a16:creationId xmlns:a16="http://schemas.microsoft.com/office/drawing/2014/main" id="{446931B8-71F8-4362-8DFF-38F253164567}"/>
+              </a:ext>
+            </a:extLst>
+          </p:cNvPr>
+          <p:cNvSpPr/>
+          <p:nvPr/>
+        </p:nvSpPr>
+        <p:spPr>
+          <a:xfrm>
+            <a:off x="250825" y="6054667"/>
+            <a:ext cx="8136904" cy="369332"/>
+          </a:xfrm>
+          <a:prstGeom prst="rect">
+            <a:avLst/>
+          </a:prstGeom>
+        </p:spPr>
+        <p:txBody>
+          <a:bodyPr wrap="square">
+            <a:spAutoFit/>
+          </a:bodyPr>
+          <a:lstStyle/>
+          <a:p>
+            <a:r>
+              <a:rPr lang="en-US" altLang="zh-CN" dirty="0">
+                <a:hlinkClick r:id="rId2"/>
+              </a:rPr>
+              <a:t>https://blog.csdn.net/qq_38975453/article/details/104702977</a:t>
+            </a:r>
+            <a:endParaRPr lang="zh-CN" altLang="en-US" dirty="0"/>
           </a:p>
         </p:txBody>
       </p:sp>
@@ -16812,12 +16955,12 @@
               </a:lnSpc>
             </a:pPr>
             <a:r>
-              <a:rPr lang="en-US" altLang="zh-CN"/>
+              <a:rPr lang="en-US" altLang="zh-CN" dirty="0"/>
               <a:t>RDBMS</a:t>
             </a:r>
             <a:r>
-              <a:rPr lang="zh-CN" altLang="en-US"/>
-              <a:t>在执行插入语句时会自动检查所插元组是否破坏表上已定义的完整性规则</a:t>
+              <a:rPr lang="zh-CN" altLang="en-US" dirty="0"/>
+              <a:t>在执行插入语句会自动检查完整性规则</a:t>
             </a:r>
           </a:p>
           <a:p>
@@ -16827,7 +16970,7 @@
               </a:lnSpc>
             </a:pPr>
             <a:r>
-              <a:rPr lang="zh-CN" altLang="en-US"/>
+              <a:rPr lang="zh-CN" altLang="en-US" dirty="0"/>
               <a:t>实体完整性</a:t>
             </a:r>
           </a:p>
@@ -16838,7 +16981,7 @@
               </a:lnSpc>
             </a:pPr>
             <a:r>
-              <a:rPr lang="zh-CN" altLang="en-US"/>
+              <a:rPr lang="zh-CN" altLang="en-US" dirty="0"/>
               <a:t>参照完整性</a:t>
             </a:r>
           </a:p>
@@ -16849,7 +16992,7 @@
               </a:lnSpc>
             </a:pPr>
             <a:r>
-              <a:rPr lang="zh-CN" altLang="en-US"/>
+              <a:rPr lang="zh-CN" altLang="en-US" dirty="0"/>
               <a:t>用户定义的完整性</a:t>
             </a:r>
           </a:p>
@@ -16862,7 +17005,7 @@
               <a:buFont typeface="Wingdings" panose="05000000000000000000" pitchFamily="2" charset="2"/>
               <a:buNone/>
             </a:pPr>
-            <a:endParaRPr lang="zh-CN" altLang="en-US" sz="2200"/>
+            <a:endParaRPr lang="zh-CN" altLang="en-US" sz="2200" dirty="0"/>
           </a:p>
         </p:txBody>
       </p:sp>

--- a/PPT/PPT2020/DB第03章（3）-2020.pptx
+++ b/PPT/PPT2020/DB第03章（3）-2020.pptx
@@ -8402,11 +8402,11 @@
           <a:p>
             <a:pPr eaLnBrk="1" hangingPunct="1"/>
             <a:r>
-              <a:rPr lang="en-US" altLang="zh-CN" sz="3600"/>
+              <a:rPr lang="en-US" altLang="zh-CN" sz="3600" dirty="0"/>
               <a:t>3.5  </a:t>
             </a:r>
             <a:r>
-              <a:rPr lang="zh-CN" altLang="en-US" sz="3600"/>
+              <a:rPr lang="zh-CN" altLang="en-US" sz="3600" dirty="0"/>
               <a:t>数据更新 </a:t>
             </a:r>
           </a:p>
@@ -8430,7 +8430,7 @@
         </p:nvSpPr>
         <p:spPr>
           <a:xfrm>
-            <a:off x="1042988" y="1341438"/>
+            <a:off x="1057588" y="908720"/>
             <a:ext cx="7427912" cy="4495800"/>
           </a:xfrm>
         </p:spPr>
@@ -8446,7 +8446,7 @@
               <a:buNone/>
             </a:pPr>
             <a:r>
-              <a:rPr lang="en-US" altLang="zh-CN">
+              <a:rPr lang="en-US" altLang="zh-CN" dirty="0">
                 <a:solidFill>
                   <a:srgbClr val="00B050"/>
                 </a:solidFill>
@@ -8454,12 +8454,20 @@
               <a:t>3.5.1  </a:t>
             </a:r>
             <a:r>
-              <a:rPr lang="zh-CN" altLang="en-US">
+              <a:rPr lang="zh-CN" altLang="en-US" dirty="0">
                 <a:solidFill>
                   <a:srgbClr val="00B050"/>
                 </a:solidFill>
               </a:rPr>
-              <a:t>插入数据</a:t>
+              <a:t>插入数据 </a:t>
+            </a:r>
+            <a:r>
+              <a:rPr lang="en-US" altLang="zh-CN" dirty="0">
+                <a:solidFill>
+                  <a:srgbClr val="00B050"/>
+                </a:solidFill>
+              </a:rPr>
+              <a:t>insert</a:t>
             </a:r>
           </a:p>
           <a:p>
@@ -8471,13 +8479,18 @@
               <a:buNone/>
             </a:pPr>
             <a:r>
-              <a:rPr lang="en-US" altLang="zh-CN"/>
+              <a:rPr lang="en-US" altLang="zh-CN" dirty="0"/>
               <a:t>3.5.2  </a:t>
             </a:r>
             <a:r>
-              <a:rPr lang="zh-CN" altLang="en-US"/>
-              <a:t>修改数据</a:t>
-            </a:r>
+              <a:rPr lang="zh-CN" altLang="en-US" dirty="0"/>
+              <a:t>修改数据 </a:t>
+            </a:r>
+            <a:r>
+              <a:rPr lang="en-US" altLang="zh-CN" dirty="0"/>
+              <a:t>update</a:t>
+            </a:r>
+            <a:endParaRPr lang="zh-CN" altLang="en-US" dirty="0"/>
           </a:p>
           <a:p>
             <a:pPr eaLnBrk="1" hangingPunct="1">
@@ -8488,12 +8501,110 @@
               <a:buNone/>
             </a:pPr>
             <a:r>
-              <a:rPr lang="en-US" altLang="zh-CN"/>
+              <a:rPr lang="en-US" altLang="zh-CN" dirty="0"/>
               <a:t>3.5.3  </a:t>
             </a:r>
             <a:r>
-              <a:rPr lang="zh-CN" altLang="en-US"/>
+              <a:rPr lang="zh-CN" altLang="en-US" dirty="0"/>
               <a:t>删除数据 </a:t>
+            </a:r>
+            <a:r>
+              <a:rPr lang="en-US" altLang="zh-CN" dirty="0"/>
+              <a:t>delete</a:t>
+            </a:r>
+          </a:p>
+          <a:p>
+            <a:pPr eaLnBrk="1" hangingPunct="1">
+              <a:lnSpc>
+                <a:spcPct val="180000"/>
+              </a:lnSpc>
+              <a:buNone/>
+            </a:pPr>
+            <a:r>
+              <a:rPr lang="en-US" altLang="zh-CN" b="0" dirty="0"/>
+              <a:t>CRUD </a:t>
+            </a:r>
+            <a:endParaRPr lang="en-US" altLang="zh-CN" dirty="0"/>
+          </a:p>
+          <a:p>
+            <a:pPr marL="0" indent="0">
+              <a:buNone/>
+            </a:pPr>
+            <a:r>
+              <a:rPr lang="en-US" altLang="zh-CN" b="0" dirty="0"/>
+              <a:t>C </a:t>
+            </a:r>
+            <a:r>
+              <a:rPr lang="en-US" altLang="zh-CN" b="0" dirty="0" err="1"/>
+              <a:t>reate</a:t>
+            </a:r>
+            <a:r>
+              <a:rPr lang="en-US" altLang="zh-CN" b="0" dirty="0"/>
+              <a:t> new records</a:t>
+            </a:r>
+          </a:p>
+          <a:p>
+            <a:pPr marL="0" indent="0">
+              <a:buNone/>
+            </a:pPr>
+            <a:r>
+              <a:rPr lang="en-US" altLang="zh-CN" b="0" dirty="0"/>
+              <a:t>R </a:t>
+            </a:r>
+            <a:r>
+              <a:rPr lang="en-US" altLang="zh-CN" b="0" dirty="0" err="1"/>
+              <a:t>etrieve</a:t>
+            </a:r>
+            <a:r>
+              <a:rPr lang="en-US" altLang="zh-CN" b="0" dirty="0"/>
+              <a:t> existing records</a:t>
+            </a:r>
+          </a:p>
+          <a:p>
+            <a:pPr marL="0" indent="0">
+              <a:buNone/>
+            </a:pPr>
+            <a:r>
+              <a:rPr lang="en-US" altLang="zh-CN" b="0" dirty="0"/>
+              <a:t>U </a:t>
+            </a:r>
+            <a:r>
+              <a:rPr lang="en-US" altLang="zh-CN" b="0" dirty="0" err="1"/>
+              <a:t>pdate</a:t>
+            </a:r>
+            <a:r>
+              <a:rPr lang="en-US" altLang="zh-CN" b="0" dirty="0"/>
+              <a:t> existing records</a:t>
+            </a:r>
+          </a:p>
+          <a:p>
+            <a:pPr marL="0" indent="0">
+              <a:buNone/>
+            </a:pPr>
+            <a:r>
+              <a:rPr lang="en-US" altLang="zh-CN" b="0" dirty="0"/>
+              <a:t>D </a:t>
+            </a:r>
+            <a:r>
+              <a:rPr lang="en-US" altLang="zh-CN" b="0" dirty="0" err="1"/>
+              <a:t>elete</a:t>
+            </a:r>
+            <a:r>
+              <a:rPr lang="en-US" altLang="zh-CN" b="0" dirty="0"/>
+              <a:t> existing records.</a:t>
+            </a:r>
+          </a:p>
+          <a:p>
+            <a:pPr eaLnBrk="1" hangingPunct="1">
+              <a:lnSpc>
+                <a:spcPct val="180000"/>
+              </a:lnSpc>
+              <a:buFont typeface="Wingdings" panose="05000000000000000000" pitchFamily="2" charset="2"/>
+              <a:buNone/>
+            </a:pPr>
+            <a:r>
+              <a:rPr lang="zh-CN" altLang="en-US" dirty="0"/>
+              <a:t> </a:t>
             </a:r>
           </a:p>
         </p:txBody>
